--- a/HowToPoseProblems.pptx
+++ b/HowToPoseProblems.pptx
@@ -5,14 +5,18 @@
     <p:sldMasterId id="2147483648" r:id="rId1"/>
   </p:sldMasterIdLst>
   <p:notesMasterIdLst>
-    <p:notesMasterId r:id="rId7"/>
+    <p:notesMasterId r:id="rId11"/>
   </p:notesMasterIdLst>
   <p:sldIdLst>
     <p:sldId id="262" r:id="rId2"/>
     <p:sldId id="261" r:id="rId3"/>
     <p:sldId id="257" r:id="rId4"/>
-    <p:sldId id="258" r:id="rId5"/>
-    <p:sldId id="260" r:id="rId6"/>
+    <p:sldId id="263" r:id="rId5"/>
+    <p:sldId id="266" r:id="rId6"/>
+    <p:sldId id="265" r:id="rId7"/>
+    <p:sldId id="264" r:id="rId8"/>
+    <p:sldId id="258" r:id="rId9"/>
+    <p:sldId id="260" r:id="rId10"/>
   </p:sldIdLst>
   <p:sldSz cx="9144000" cy="6858000" type="screen4x3"/>
   <p:notesSz cx="6858000" cy="9144000"/>
@@ -141,6 +145,22 @@
       </a:defRPr>
     </a:lvl9pPr>
   </p:defaultTextStyle>
+  <p:extLst>
+    <p:ext uri="{EFAFB233-063F-42B5-8137-9DF3F51BA10A}">
+      <p15:sldGuideLst xmlns:p15="http://schemas.microsoft.com/office/powerpoint/2012/main">
+        <p15:guide id="1" orient="horz" pos="2160">
+          <p15:clr>
+            <a:srgbClr val="A4A3A4"/>
+          </p15:clr>
+        </p15:guide>
+        <p15:guide id="2" pos="2880">
+          <p15:clr>
+            <a:srgbClr val="A4A3A4"/>
+          </p15:clr>
+        </p15:guide>
+      </p15:sldGuideLst>
+    </p:ext>
+  </p:extLst>
 </p:presentation>
 </file>
 
@@ -258,7 +278,7 @@
             <a:fld id="{386ABCB1-B8A3-4E47-B014-586979E4D262}" type="datetimeFigureOut">
               <a:rPr lang="en-US"/>
               <a:pPr/>
-              <a:t>9/13/2012</a:t>
+              <a:t>3/21/2017</a:t>
             </a:fld>
             <a:endParaRPr lang="en-US"/>
           </a:p>
@@ -268,7 +288,7 @@
         <p:nvSpPr>
           <p:cNvPr id="20484" name="Rectangle 4"/>
           <p:cNvSpPr>
-            <a:spLocks noRot="1" noChangeArrowheads="1" noTextEdit="1"/>
+            <a:spLocks noGrp="1" noRot="1" noChangeAspect="1" noChangeArrowheads="1" noTextEdit="1"/>
           </p:cNvSpPr>
           <p:nvPr>
             <p:ph type="sldImg" idx="2"/>
@@ -609,7 +629,7 @@
         <p:nvSpPr>
           <p:cNvPr id="21506" name="Rectangle 2"/>
           <p:cNvSpPr>
-            <a:spLocks noRot="1" noChangeArrowheads="1" noTextEdit="1"/>
+            <a:spLocks noGrp="1" noRot="1" noChangeAspect="1" noChangeArrowheads="1" noTextEdit="1"/>
           </p:cNvSpPr>
           <p:nvPr>
             <p:ph type="sldImg"/>
@@ -838,7 +858,7 @@
               <a:pPr>
                 <a:defRPr/>
               </a:pPr>
-              <a:t>9/13/2012</a:t>
+              <a:t>3/21/2017</a:t>
             </a:fld>
             <a:endParaRPr lang="en-US"/>
           </a:p>
@@ -1030,7 +1050,7 @@
               <a:pPr>
                 <a:defRPr/>
               </a:pPr>
-              <a:t>9/13/2012</a:t>
+              <a:t>3/21/2017</a:t>
             </a:fld>
             <a:endParaRPr lang="en-US"/>
           </a:p>
@@ -1232,7 +1252,7 @@
               <a:pPr>
                 <a:defRPr/>
               </a:pPr>
-              <a:t>9/13/2012</a:t>
+              <a:t>3/21/2017</a:t>
             </a:fld>
             <a:endParaRPr lang="en-US"/>
           </a:p>
@@ -1424,7 +1444,7 @@
               <a:pPr>
                 <a:defRPr/>
               </a:pPr>
-              <a:t>9/13/2012</a:t>
+              <a:t>3/21/2017</a:t>
             </a:fld>
             <a:endParaRPr lang="en-US"/>
           </a:p>
@@ -1692,7 +1712,7 @@
               <a:pPr>
                 <a:defRPr/>
               </a:pPr>
-              <a:t>9/13/2012</a:t>
+              <a:t>3/21/2017</a:t>
             </a:fld>
             <a:endParaRPr lang="en-US"/>
           </a:p>
@@ -2002,7 +2022,7 @@
               <a:pPr>
                 <a:defRPr/>
               </a:pPr>
-              <a:t>9/13/2012</a:t>
+              <a:t>3/21/2017</a:t>
             </a:fld>
             <a:endParaRPr lang="en-US"/>
           </a:p>
@@ -2446,7 +2466,7 @@
               <a:pPr>
                 <a:defRPr/>
               </a:pPr>
-              <a:t>9/13/2012</a:t>
+              <a:t>3/21/2017</a:t>
             </a:fld>
             <a:endParaRPr lang="en-US"/>
           </a:p>
@@ -2586,7 +2606,7 @@
               <a:pPr>
                 <a:defRPr/>
               </a:pPr>
-              <a:t>9/13/2012</a:t>
+              <a:t>3/21/2017</a:t>
             </a:fld>
             <a:endParaRPr lang="en-US"/>
           </a:p>
@@ -2703,7 +2723,7 @@
               <a:pPr>
                 <a:defRPr/>
               </a:pPr>
-              <a:t>9/13/2012</a:t>
+              <a:t>3/21/2017</a:t>
             </a:fld>
             <a:endParaRPr lang="en-US"/>
           </a:p>
@@ -3002,7 +3022,7 @@
               <a:pPr>
                 <a:defRPr/>
               </a:pPr>
-              <a:t>9/13/2012</a:t>
+              <a:t>3/21/2017</a:t>
             </a:fld>
             <a:endParaRPr lang="en-US"/>
           </a:p>
@@ -3280,7 +3300,7 @@
               <a:pPr>
                 <a:defRPr/>
               </a:pPr>
-              <a:t>9/13/2012</a:t>
+              <a:t>3/21/2017</a:t>
             </a:fld>
             <a:endParaRPr lang="en-US"/>
           </a:p>
@@ -3535,7 +3555,7 @@
               <a:pPr>
                 <a:defRPr/>
               </a:pPr>
-              <a:t>9/13/2012</a:t>
+              <a:t>3/21/2017</a:t>
             </a:fld>
             <a:endParaRPr lang="en-US"/>
           </a:p>
@@ -5802,8 +5822,8 @@
         </p:nvSpPr>
         <p:spPr bwMode="auto">
           <a:xfrm>
-            <a:off x="152400" y="152400"/>
-            <a:ext cx="2438400" cy="523875"/>
+            <a:off x="152400" y="102973"/>
+            <a:ext cx="5181600" cy="1384995"/>
           </a:xfrm>
           <a:prstGeom prst="rect">
             <a:avLst/>
@@ -5819,17 +5839,38 @@
           </a:ln>
         </p:spPr>
         <p:txBody>
-          <a:bodyPr>
+          <a:bodyPr wrap="square">
             <a:spAutoFit/>
           </a:bodyPr>
           <a:lstStyle/>
           <a:p>
             <a:r>
-              <a:rPr lang="en-US" sz="2800">
+              <a:rPr lang="en-US" sz="2800" dirty="0">
                 <a:latin typeface="Calibri" pitchFamily="34" charset="0"/>
               </a:rPr>
-              <a:t>Question?</a:t>
-            </a:r>
+              <a:t>Question</a:t>
+            </a:r>
+            <a:r>
+              <a:rPr lang="en-US" sz="2800" dirty="0" smtClean="0">
+                <a:latin typeface="Calibri" pitchFamily="34" charset="0"/>
+              </a:rPr>
+              <a:t>?</a:t>
+            </a:r>
+            <a:r>
+              <a:rPr lang="zh-CN" altLang="en-US" sz="2800" dirty="0" smtClean="0">
+                <a:latin typeface="Calibri" pitchFamily="34" charset="0"/>
+              </a:rPr>
+              <a:t>：</a:t>
+            </a:r>
+            <a:r>
+              <a:rPr lang="en-US" altLang="zh-CN" sz="2800" dirty="0" smtClean="0">
+                <a:latin typeface="Calibri" pitchFamily="34" charset="0"/>
+              </a:rPr>
+              <a:t>Identification of relations among multiple biological entities</a:t>
+            </a:r>
+            <a:endParaRPr lang="en-US" sz="2800" dirty="0">
+              <a:latin typeface="Calibri" pitchFamily="34" charset="0"/>
+            </a:endParaRPr>
           </a:p>
         </p:txBody>
       </p:sp>
@@ -5866,7 +5907,7 @@
           <a:lstStyle/>
           <a:p>
             <a:r>
-              <a:rPr lang="en-US" sz="2800">
+              <a:rPr lang="en-US" sz="2800" dirty="0">
                 <a:latin typeface="Calibri" pitchFamily="34" charset="0"/>
               </a:rPr>
               <a:t>Problem? – Why hasn’t this been done before?</a:t>
@@ -6245,6 +6286,796 @@
       </p:grpSpPr>
       <p:sp>
         <p:nvSpPr>
+          <p:cNvPr id="3" name="TextBox 2"/>
+          <p:cNvSpPr txBox="1">
+            <a:spLocks noChangeArrowheads="1"/>
+          </p:cNvSpPr>
+          <p:nvPr/>
+        </p:nvSpPr>
+        <p:spPr bwMode="auto">
+          <a:xfrm>
+            <a:off x="152400" y="102973"/>
+            <a:ext cx="5181600" cy="1384995"/>
+          </a:xfrm>
+          <a:prstGeom prst="rect">
+            <a:avLst/>
+          </a:prstGeom>
+          <a:solidFill>
+            <a:srgbClr val="FFFF00"/>
+          </a:solidFill>
+          <a:ln w="9525">
+            <a:noFill/>
+            <a:miter lim="800000"/>
+            <a:headEnd/>
+            <a:tailEnd/>
+          </a:ln>
+        </p:spPr>
+        <p:txBody>
+          <a:bodyPr wrap="square">
+            <a:spAutoFit/>
+          </a:bodyPr>
+          <a:lstStyle/>
+          <a:p>
+            <a:r>
+              <a:rPr lang="en-US" sz="2800" dirty="0">
+                <a:latin typeface="Calibri" pitchFamily="34" charset="0"/>
+              </a:rPr>
+              <a:t>Question</a:t>
+            </a:r>
+            <a:r>
+              <a:rPr lang="en-US" sz="2800" dirty="0" smtClean="0">
+                <a:latin typeface="Calibri" pitchFamily="34" charset="0"/>
+              </a:rPr>
+              <a:t>?</a:t>
+            </a:r>
+            <a:r>
+              <a:rPr lang="zh-CN" altLang="en-US" sz="2800" dirty="0" smtClean="0">
+                <a:latin typeface="Calibri" pitchFamily="34" charset="0"/>
+              </a:rPr>
+              <a:t>：</a:t>
+            </a:r>
+            <a:r>
+              <a:rPr lang="en-US" altLang="zh-CN" sz="2800" dirty="0" smtClean="0">
+                <a:latin typeface="Calibri" pitchFamily="34" charset="0"/>
+              </a:rPr>
+              <a:t>Identification of relations among multiple biological entities</a:t>
+            </a:r>
+            <a:endParaRPr lang="en-US" sz="2800" dirty="0">
+              <a:latin typeface="Calibri" pitchFamily="34" charset="0"/>
+            </a:endParaRPr>
+          </a:p>
+        </p:txBody>
+      </p:sp>
+      <p:sp>
+        <p:nvSpPr>
+          <p:cNvPr id="4" name="TextBox 7"/>
+          <p:cNvSpPr txBox="1">
+            <a:spLocks noChangeArrowheads="1"/>
+          </p:cNvSpPr>
+          <p:nvPr/>
+        </p:nvSpPr>
+        <p:spPr bwMode="auto">
+          <a:xfrm>
+            <a:off x="6251575" y="131763"/>
+            <a:ext cx="2359025" cy="544512"/>
+          </a:xfrm>
+          <a:prstGeom prst="rect">
+            <a:avLst/>
+          </a:prstGeom>
+          <a:solidFill>
+            <a:srgbClr val="FFFF00"/>
+          </a:solidFill>
+          <a:ln w="9525">
+            <a:noFill/>
+            <a:miter lim="800000"/>
+            <a:headEnd/>
+            <a:tailEnd/>
+          </a:ln>
+        </p:spPr>
+        <p:txBody>
+          <a:bodyPr>
+            <a:spAutoFit/>
+          </a:bodyPr>
+          <a:lstStyle/>
+          <a:p>
+            <a:r>
+              <a:rPr lang="en-US" sz="2800">
+                <a:latin typeface="Calibri" pitchFamily="34" charset="0"/>
+              </a:rPr>
+              <a:t>Significance?</a:t>
+            </a:r>
+          </a:p>
+        </p:txBody>
+      </p:sp>
+      <p:cxnSp>
+        <p:nvCxnSpPr>
+          <p:cNvPr id="5" name="Straight Arrow Connector 13"/>
+          <p:cNvCxnSpPr/>
+          <p:nvPr/>
+        </p:nvCxnSpPr>
+        <p:spPr>
+          <a:xfrm>
+            <a:off x="5334000" y="732267"/>
+            <a:ext cx="762000" cy="0"/>
+          </a:xfrm>
+          <a:prstGeom prst="straightConnector1">
+            <a:avLst/>
+          </a:prstGeom>
+          <a:ln w="25400">
+            <a:solidFill>
+              <a:schemeClr val="tx1"/>
+            </a:solidFill>
+            <a:tailEnd type="triangle"/>
+          </a:ln>
+        </p:spPr>
+        <p:style>
+          <a:lnRef idx="1">
+            <a:schemeClr val="accent1"/>
+          </a:lnRef>
+          <a:fillRef idx="0">
+            <a:schemeClr val="accent1"/>
+          </a:fillRef>
+          <a:effectRef idx="0">
+            <a:schemeClr val="accent1"/>
+          </a:effectRef>
+          <a:fontRef idx="minor">
+            <a:schemeClr val="tx1"/>
+          </a:fontRef>
+        </p:style>
+      </p:cxnSp>
+      <p:sp>
+        <p:nvSpPr>
+          <p:cNvPr id="7" name="矩形 6"/>
+          <p:cNvSpPr/>
+          <p:nvPr/>
+        </p:nvSpPr>
+        <p:spPr>
+          <a:xfrm>
+            <a:off x="8839200" y="4572000"/>
+            <a:ext cx="4572000" cy="1200329"/>
+          </a:xfrm>
+          <a:prstGeom prst="rect">
+            <a:avLst/>
+          </a:prstGeom>
+        </p:spPr>
+        <p:txBody>
+          <a:bodyPr>
+            <a:spAutoFit/>
+          </a:bodyPr>
+          <a:lstStyle/>
+          <a:p>
+            <a:r>
+              <a:rPr lang="zh-CN" altLang="en-US" dirty="0"/>
+              <a:t>With the availability of the big biomedical data, researchers tend to get insights into human diseases by identifying genes that might cause or relate to them. </a:t>
+            </a:r>
+          </a:p>
+        </p:txBody>
+      </p:sp>
+      <p:sp>
+        <p:nvSpPr>
+          <p:cNvPr id="8" name="矩形 7"/>
+          <p:cNvSpPr/>
+          <p:nvPr/>
+        </p:nvSpPr>
+        <p:spPr>
+          <a:xfrm>
+            <a:off x="8610600" y="437674"/>
+            <a:ext cx="4572000" cy="1477328"/>
+          </a:xfrm>
+          <a:prstGeom prst="rect">
+            <a:avLst/>
+          </a:prstGeom>
+        </p:spPr>
+        <p:txBody>
+          <a:bodyPr>
+            <a:spAutoFit/>
+          </a:bodyPr>
+          <a:lstStyle/>
+          <a:p>
+            <a:r>
+              <a:rPr lang="en-US" altLang="zh-CN" dirty="0"/>
+              <a:t>The development of high-throughput data-collection techniques, as epitomized by the widespread use of microarrays, allows for the simultaneous interrogation of the status of a cell’s components at any given time</a:t>
+            </a:r>
+            <a:endParaRPr lang="zh-CN" altLang="en-US" dirty="0"/>
+          </a:p>
+        </p:txBody>
+      </p:sp>
+      <p:sp>
+        <p:nvSpPr>
+          <p:cNvPr id="9" name="文本框 8"/>
+          <p:cNvSpPr txBox="1"/>
+          <p:nvPr/>
+        </p:nvSpPr>
+        <p:spPr>
+          <a:xfrm>
+            <a:off x="533400" y="1676400"/>
+            <a:ext cx="8001000" cy="4524315"/>
+          </a:xfrm>
+          <a:prstGeom prst="rect">
+            <a:avLst/>
+          </a:prstGeom>
+          <a:noFill/>
+        </p:spPr>
+        <p:txBody>
+          <a:bodyPr wrap="square" rtlCol="0">
+            <a:spAutoFit/>
+          </a:bodyPr>
+          <a:lstStyle/>
+          <a:p>
+            <a:r>
+              <a:rPr lang="en-US" altLang="zh-CN" dirty="0" smtClean="0"/>
+              <a:t>In the post-genomic era, it is a crucial task for biomedical research to explore how different types of entities (such </a:t>
+            </a:r>
+            <a:r>
+              <a:rPr lang="en-US" altLang="zh-CN" dirty="0"/>
+              <a:t>as disease, gene, phenotype, pathway et </a:t>
+            </a:r>
+            <a:r>
+              <a:rPr lang="en-US" altLang="zh-CN" dirty="0" smtClean="0"/>
+              <a:t>al) are related. A researcher often requires a exhaustive understanding of possible indirect associations between related entities, which is the key to reveal the deeper biological mechanism behind the related entities\cite[3]. </a:t>
+            </a:r>
+          </a:p>
+          <a:p>
+            <a:endParaRPr lang="en-US" altLang="zh-CN" dirty="0"/>
+          </a:p>
+          <a:p>
+            <a:r>
+              <a:rPr lang="en-US" altLang="zh-CN" dirty="0" smtClean="0"/>
+              <a:t>The development of experimental and computational techniques allows to construct interacting network of biomedical entities using high-throughput data\cite{1,2</a:t>
+            </a:r>
+            <a:r>
+              <a:rPr lang="en-US" altLang="zh-CN" dirty="0"/>
+              <a:t>}. </a:t>
+            </a:r>
+            <a:r>
+              <a:rPr lang="en-US" altLang="zh-CN" dirty="0" smtClean="0"/>
+              <a:t>Lots of networks including knowledge within or across domains are generated, like PPI\cite[], disease-disease</a:t>
+            </a:r>
+            <a:r>
+              <a:rPr lang="en-US" altLang="zh-CN" dirty="0"/>
+              <a:t>\cite[]</a:t>
+            </a:r>
+            <a:r>
+              <a:rPr lang="en-US" altLang="zh-CN" dirty="0" smtClean="0"/>
+              <a:t>, disease-drug</a:t>
+            </a:r>
+            <a:r>
+              <a:rPr lang="en-US" altLang="zh-CN" dirty="0"/>
+              <a:t>\cite[]</a:t>
+            </a:r>
+            <a:r>
+              <a:rPr lang="en-US" altLang="zh-CN" dirty="0" smtClean="0"/>
+              <a:t>, integrative network</a:t>
+            </a:r>
+            <a:r>
+              <a:rPr lang="en-US" altLang="zh-CN" dirty="0"/>
+              <a:t>\cite[]</a:t>
+            </a:r>
+            <a:r>
+              <a:rPr lang="en-US" altLang="zh-CN" dirty="0" smtClean="0"/>
+              <a:t>. </a:t>
+            </a:r>
+          </a:p>
+          <a:p>
+            <a:endParaRPr lang="en-US" altLang="zh-CN" dirty="0"/>
+          </a:p>
+          <a:p>
+            <a:r>
+              <a:rPr lang="en-US" altLang="zh-CN" dirty="0"/>
+              <a:t>Given the fact that experimentally </a:t>
+            </a:r>
+            <a:r>
+              <a:rPr lang="en-US" altLang="zh-CN" dirty="0" smtClean="0"/>
+              <a:t>exploring association between entities is high cost and time consuming, these networks enable </a:t>
+            </a:r>
+            <a:r>
+              <a:rPr lang="en-US" altLang="zh-CN" dirty="0"/>
+              <a:t>the use of </a:t>
+            </a:r>
+            <a:r>
+              <a:rPr lang="en-US" altLang="zh-CN" dirty="0" smtClean="0"/>
+              <a:t>network-based computational approaches </a:t>
+            </a:r>
+            <a:r>
+              <a:rPr lang="en-US" altLang="zh-CN" dirty="0"/>
+              <a:t>to querying and working with the </a:t>
+            </a:r>
+            <a:r>
+              <a:rPr lang="en-US" altLang="zh-CN" dirty="0" smtClean="0"/>
+              <a:t>data as well as revealing how different entities are related.  </a:t>
+            </a:r>
+          </a:p>
+        </p:txBody>
+      </p:sp>
+      <p:sp>
+        <p:nvSpPr>
+          <p:cNvPr id="10" name="矩形 9"/>
+          <p:cNvSpPr/>
+          <p:nvPr/>
+        </p:nvSpPr>
+        <p:spPr>
+          <a:xfrm>
+            <a:off x="9167191" y="6026080"/>
+            <a:ext cx="4572000" cy="923330"/>
+          </a:xfrm>
+          <a:prstGeom prst="rect">
+            <a:avLst/>
+          </a:prstGeom>
+        </p:spPr>
+        <p:txBody>
+          <a:bodyPr>
+            <a:spAutoFit/>
+          </a:bodyPr>
+          <a:lstStyle/>
+          <a:p>
+            <a:r>
+              <a:rPr lang="en-US" altLang="zh-CN" dirty="0"/>
+              <a:t>By now, network-based method has widely used to reveal the </a:t>
+            </a:r>
+            <a:r>
+              <a:rPr lang="en-US" altLang="zh-CN" dirty="0" err="1"/>
+              <a:t>relationdiscover</a:t>
+            </a:r>
+            <a:r>
+              <a:rPr lang="en-US" altLang="zh-CN" dirty="0"/>
+              <a:t> the disease gene.</a:t>
+            </a:r>
+            <a:endParaRPr lang="zh-CN" altLang="en-US" dirty="0"/>
+          </a:p>
+        </p:txBody>
+      </p:sp>
+      <p:sp>
+        <p:nvSpPr>
+          <p:cNvPr id="12" name="矩形 11"/>
+          <p:cNvSpPr/>
+          <p:nvPr/>
+        </p:nvSpPr>
+        <p:spPr>
+          <a:xfrm>
+            <a:off x="8610600" y="2168753"/>
+            <a:ext cx="4572000" cy="1200329"/>
+          </a:xfrm>
+          <a:prstGeom prst="rect">
+            <a:avLst/>
+          </a:prstGeom>
+        </p:spPr>
+        <p:txBody>
+          <a:bodyPr>
+            <a:spAutoFit/>
+          </a:bodyPr>
+          <a:lstStyle/>
+          <a:p>
+            <a:r>
+              <a:rPr lang="zh-CN" altLang="en-US" dirty="0"/>
+              <a:t> Given the fact that experimentallyidentifyingofthecompletelistofdiseaserelated genes is generally impractical due to the high cost</a:t>
+            </a:r>
+          </a:p>
+        </p:txBody>
+      </p:sp>
+    </p:spTree>
+    <p:extLst>
+      <p:ext uri="{BB962C8B-B14F-4D97-AF65-F5344CB8AC3E}">
+        <p14:creationId xmlns:p14="http://schemas.microsoft.com/office/powerpoint/2010/main" val="2391242068"/>
+      </p:ext>
+    </p:extLst>
+  </p:cSld>
+  <p:clrMapOvr>
+    <a:masterClrMapping/>
+  </p:clrMapOvr>
+</p:sld>
+</file>
+
+<file path=ppt/slides/slide5.xml><?xml version="1.0" encoding="utf-8"?>
+<p:sld xmlns:a="http://schemas.openxmlformats.org/drawingml/2006/main" xmlns:r="http://schemas.openxmlformats.org/officeDocument/2006/relationships" xmlns:p="http://schemas.openxmlformats.org/presentationml/2006/main">
+  <p:cSld>
+    <p:spTree>
+      <p:nvGrpSpPr>
+        <p:cNvPr id="1" name=""/>
+        <p:cNvGrpSpPr/>
+        <p:nvPr/>
+      </p:nvGrpSpPr>
+      <p:grpSpPr>
+        <a:xfrm>
+          <a:off x="0" y="0"/>
+          <a:ext cx="0" cy="0"/>
+          <a:chOff x="0" y="0"/>
+          <a:chExt cx="0" cy="0"/>
+        </a:xfrm>
+      </p:grpSpPr>
+      <p:sp>
+        <p:nvSpPr>
+          <p:cNvPr id="3" name="TextBox 3"/>
+          <p:cNvSpPr txBox="1">
+            <a:spLocks noChangeArrowheads="1"/>
+          </p:cNvSpPr>
+          <p:nvPr/>
+        </p:nvSpPr>
+        <p:spPr bwMode="auto">
+          <a:xfrm>
+            <a:off x="381000" y="381000"/>
+            <a:ext cx="4876800" cy="954088"/>
+          </a:xfrm>
+          <a:prstGeom prst="rect">
+            <a:avLst/>
+          </a:prstGeom>
+          <a:solidFill>
+            <a:srgbClr val="FF0000"/>
+          </a:solidFill>
+          <a:ln w="9525">
+            <a:noFill/>
+            <a:miter lim="800000"/>
+            <a:headEnd/>
+            <a:tailEnd/>
+          </a:ln>
+        </p:spPr>
+        <p:txBody>
+          <a:bodyPr>
+            <a:spAutoFit/>
+          </a:bodyPr>
+          <a:lstStyle/>
+          <a:p>
+            <a:r>
+              <a:rPr lang="en-US" sz="2800" dirty="0">
+                <a:latin typeface="Calibri" pitchFamily="34" charset="0"/>
+              </a:rPr>
+              <a:t>Problem? – Why hasn’t this been done before?</a:t>
+            </a:r>
+          </a:p>
+        </p:txBody>
+      </p:sp>
+      <p:sp>
+        <p:nvSpPr>
+          <p:cNvPr id="4" name="文本框 3"/>
+          <p:cNvSpPr txBox="1"/>
+          <p:nvPr/>
+        </p:nvSpPr>
+        <p:spPr>
+          <a:xfrm>
+            <a:off x="396240" y="1470883"/>
+            <a:ext cx="8458201" cy="5355312"/>
+          </a:xfrm>
+          <a:prstGeom prst="rect">
+            <a:avLst/>
+          </a:prstGeom>
+          <a:noFill/>
+        </p:spPr>
+        <p:txBody>
+          <a:bodyPr wrap="square" rtlCol="0">
+            <a:spAutoFit/>
+          </a:bodyPr>
+          <a:lstStyle/>
+          <a:p>
+            <a:r>
+              <a:rPr lang="en-US" altLang="zh-CN" dirty="0" smtClean="0"/>
+              <a:t>Based on the availability of biomedical networks, various tools have been proposed to  identify the relations between biomedical entities. These tools can be loosely divided to two groups. One group is to predict whether two entities are related ignoring possible functional path between entities \cite{}. Most methods in this group is based on the “guilt-by-association” assumption to predict disease-gene association\cite{4,7}, protein-protein interaction\cite{6}, drug-target interaction\cite{5} and so on. </a:t>
+            </a:r>
+          </a:p>
+          <a:p>
+            <a:endParaRPr lang="en-US" altLang="zh-CN" dirty="0"/>
+          </a:p>
+          <a:p>
+            <a:r>
+              <a:rPr lang="en-US" altLang="zh-CN" dirty="0" smtClean="0"/>
+              <a:t>The other group of tools is to find a map of relations linking given entities in a </a:t>
+            </a:r>
+            <a:r>
+              <a:rPr lang="en-US" altLang="zh-CN" dirty="0"/>
+              <a:t>biological </a:t>
+            </a:r>
+            <a:r>
+              <a:rPr lang="en-US" altLang="zh-CN" dirty="0" smtClean="0"/>
+              <a:t>network\cite{3}. Different with predicting new relations between biological entities, these tools provide a way to explain how two entities are functionally related based on the given network. </a:t>
+            </a:r>
+          </a:p>
+          <a:p>
+            <a:endParaRPr lang="en-US" altLang="zh-CN" dirty="0"/>
+          </a:p>
+          <a:p>
+            <a:r>
+              <a:rPr lang="en-US" altLang="zh-CN" dirty="0" smtClean="0"/>
+              <a:t>In this paper, we focus on the problem of exploring how two biological entities are functionally related. </a:t>
+            </a:r>
+          </a:p>
+          <a:p>
+            <a:endParaRPr lang="en-US" altLang="zh-CN" dirty="0"/>
+          </a:p>
+          <a:p>
+            <a:r>
+              <a:rPr lang="en-US" altLang="zh-CN" dirty="0" smtClean="0"/>
+              <a:t>Most researchers focus on the first group.</a:t>
+            </a:r>
+          </a:p>
+          <a:p>
+            <a:r>
+              <a:rPr lang="en-US" altLang="zh-CN" dirty="0" smtClean="0"/>
+              <a:t>The second group is &lt;</a:t>
+            </a:r>
+            <a:r>
+              <a:rPr lang="zh-CN" altLang="en-US" dirty="0" smtClean="0"/>
+              <a:t>参看</a:t>
+            </a:r>
+            <a:r>
+              <a:rPr lang="en-US" altLang="zh-CN" dirty="0" err="1" smtClean="0"/>
+              <a:t>BioGraph</a:t>
+            </a:r>
+            <a:r>
+              <a:rPr lang="en-US" altLang="zh-CN" dirty="0" smtClean="0"/>
+              <a:t>&gt;  </a:t>
+            </a:r>
+            <a:r>
+              <a:rPr lang="zh-CN" altLang="en-US" dirty="0" smtClean="0"/>
+              <a:t>（先说我们为什么要研究第二类，第二类的挑战。再说现存第二类方法的问题）</a:t>
+            </a:r>
+            <a:endParaRPr lang="zh-CN" altLang="en-US" dirty="0"/>
+          </a:p>
+        </p:txBody>
+      </p:sp>
+    </p:spTree>
+    <p:extLst>
+      <p:ext uri="{BB962C8B-B14F-4D97-AF65-F5344CB8AC3E}">
+        <p14:creationId xmlns:p14="http://schemas.microsoft.com/office/powerpoint/2010/main" val="699763993"/>
+      </p:ext>
+    </p:extLst>
+  </p:cSld>
+  <p:clrMapOvr>
+    <a:masterClrMapping/>
+  </p:clrMapOvr>
+</p:sld>
+</file>
+
+<file path=ppt/slides/slide6.xml><?xml version="1.0" encoding="utf-8"?>
+<p:sld xmlns:a="http://schemas.openxmlformats.org/drawingml/2006/main" xmlns:r="http://schemas.openxmlformats.org/officeDocument/2006/relationships" xmlns:p="http://schemas.openxmlformats.org/presentationml/2006/main">
+  <p:cSld>
+    <p:spTree>
+      <p:nvGrpSpPr>
+        <p:cNvPr id="1" name=""/>
+        <p:cNvGrpSpPr/>
+        <p:nvPr/>
+      </p:nvGrpSpPr>
+      <p:grpSpPr>
+        <a:xfrm>
+          <a:off x="0" y="0"/>
+          <a:ext cx="0" cy="0"/>
+          <a:chOff x="0" y="0"/>
+          <a:chExt cx="0" cy="0"/>
+        </a:xfrm>
+      </p:grpSpPr>
+      <p:sp>
+        <p:nvSpPr>
+          <p:cNvPr id="2" name="标题 1"/>
+          <p:cNvSpPr>
+            <a:spLocks noGrp="1"/>
+          </p:cNvSpPr>
+          <p:nvPr>
+            <p:ph type="title"/>
+          </p:nvPr>
+        </p:nvSpPr>
+        <p:spPr/>
+        <p:txBody>
+          <a:bodyPr/>
+          <a:lstStyle/>
+          <a:p>
+            <a:r>
+              <a:rPr lang="en-US" altLang="zh-CN" dirty="0" smtClean="0"/>
+              <a:t>cite</a:t>
+            </a:r>
+            <a:endParaRPr lang="zh-CN" altLang="en-US" dirty="0"/>
+          </a:p>
+        </p:txBody>
+      </p:sp>
+      <p:sp>
+        <p:nvSpPr>
+          <p:cNvPr id="3" name="文本框 2"/>
+          <p:cNvSpPr txBox="1"/>
+          <p:nvPr/>
+        </p:nvSpPr>
+        <p:spPr>
+          <a:xfrm>
+            <a:off x="838200" y="1524000"/>
+            <a:ext cx="13175402" cy="3139321"/>
+          </a:xfrm>
+          <a:prstGeom prst="rect">
+            <a:avLst/>
+          </a:prstGeom>
+          <a:noFill/>
+        </p:spPr>
+        <p:txBody>
+          <a:bodyPr wrap="none" rtlCol="0">
+            <a:spAutoFit/>
+          </a:bodyPr>
+          <a:lstStyle/>
+          <a:p>
+            <a:r>
+              <a:rPr lang="en-US" altLang="zh-CN" dirty="0" smtClean="0"/>
+              <a:t>[1]</a:t>
+            </a:r>
+            <a:r>
+              <a:rPr lang="en-US" altLang="zh-CN" dirty="0"/>
+              <a:t> Network biology: understanding the cell's functional </a:t>
+            </a:r>
+            <a:r>
+              <a:rPr lang="en-US" altLang="zh-CN" dirty="0" smtClean="0"/>
+              <a:t>organization</a:t>
+            </a:r>
+          </a:p>
+          <a:p>
+            <a:r>
+              <a:rPr lang="en-US" altLang="zh-CN" dirty="0" smtClean="0"/>
+              <a:t>[2]</a:t>
+            </a:r>
+            <a:r>
+              <a:rPr lang="en-US" altLang="zh-CN" dirty="0"/>
+              <a:t> Human symptoms–disease </a:t>
+            </a:r>
+            <a:r>
+              <a:rPr lang="en-US" altLang="zh-CN" dirty="0" smtClean="0"/>
+              <a:t>network</a:t>
+            </a:r>
+          </a:p>
+          <a:p>
+            <a:r>
+              <a:rPr lang="en-US" altLang="zh-CN" dirty="0" smtClean="0"/>
+              <a:t>[3] </a:t>
+            </a:r>
+            <a:r>
+              <a:rPr lang="en-US" altLang="zh-CN" dirty="0" err="1"/>
+              <a:t>BioGraph</a:t>
+            </a:r>
+            <a:r>
+              <a:rPr lang="en-US" altLang="zh-CN" dirty="0"/>
+              <a:t>: unsupervised biomedical knowledge discovery via automated hypothesis </a:t>
+            </a:r>
+            <a:r>
+              <a:rPr lang="en-US" altLang="zh-CN" dirty="0" smtClean="0"/>
+              <a:t>generation</a:t>
+            </a:r>
+          </a:p>
+          <a:p>
+            <a:r>
+              <a:rPr lang="en-US" altLang="zh-CN" dirty="0" smtClean="0"/>
+              <a:t>[</a:t>
+            </a:r>
+            <a:r>
+              <a:rPr lang="en-US" altLang="zh-CN" dirty="0"/>
+              <a:t>4] Network-based methods for human disease gene </a:t>
+            </a:r>
+            <a:r>
+              <a:rPr lang="en-US" altLang="zh-CN" dirty="0" smtClean="0"/>
+              <a:t>prediction</a:t>
+            </a:r>
+          </a:p>
+          <a:p>
+            <a:r>
+              <a:rPr lang="en-US" altLang="zh-CN" dirty="0" smtClean="0"/>
+              <a:t>[5] </a:t>
+            </a:r>
+            <a:r>
+              <a:rPr lang="en-US" altLang="zh-CN" b="1" dirty="0"/>
+              <a:t>Toward more realistic drug–target interaction </a:t>
+            </a:r>
+            <a:r>
+              <a:rPr lang="en-US" altLang="zh-CN" b="1" dirty="0" smtClean="0"/>
+              <a:t>predictions</a:t>
+            </a:r>
+          </a:p>
+          <a:p>
+            <a:r>
+              <a:rPr lang="en-US" altLang="zh-CN" b="1" dirty="0" smtClean="0"/>
+              <a:t>[6] </a:t>
+            </a:r>
+            <a:r>
+              <a:rPr lang="en-US" altLang="zh-CN" b="1" dirty="0"/>
+              <a:t>PRISM: a web server and repository for prediction of protein–protein interactions and modeling their 3D complexes</a:t>
+            </a:r>
+          </a:p>
+          <a:p>
+            <a:r>
+              <a:rPr lang="en-US" altLang="zh-CN" b="1" dirty="0" smtClean="0"/>
+              <a:t>[7] </a:t>
+            </a:r>
+            <a:r>
+              <a:rPr lang="en-US" altLang="zh-CN" u="sng" dirty="0">
+                <a:hlinkClick r:id="rId2"/>
+              </a:rPr>
+              <a:t>Predicting disease-related genes using integrated biomedical networks</a:t>
+            </a:r>
+            <a:endParaRPr lang="en-US" altLang="zh-CN" b="1" dirty="0"/>
+          </a:p>
+          <a:p>
+            <a:endParaRPr lang="en-US" altLang="zh-CN" dirty="0"/>
+          </a:p>
+          <a:p>
+            <a:endParaRPr lang="en-US" altLang="zh-CN" dirty="0"/>
+          </a:p>
+          <a:p>
+            <a:endParaRPr lang="en-US" altLang="zh-CN" dirty="0"/>
+          </a:p>
+          <a:p>
+            <a:endParaRPr lang="zh-CN" altLang="en-US" dirty="0"/>
+          </a:p>
+        </p:txBody>
+      </p:sp>
+    </p:spTree>
+    <p:extLst>
+      <p:ext uri="{BB962C8B-B14F-4D97-AF65-F5344CB8AC3E}">
+        <p14:creationId xmlns:p14="http://schemas.microsoft.com/office/powerpoint/2010/main" val="3483312227"/>
+      </p:ext>
+    </p:extLst>
+  </p:cSld>
+  <p:clrMapOvr>
+    <a:masterClrMapping/>
+  </p:clrMapOvr>
+</p:sld>
+</file>
+
+<file path=ppt/slides/slide7.xml><?xml version="1.0" encoding="utf-8"?>
+<p:sld xmlns:a="http://schemas.openxmlformats.org/drawingml/2006/main" xmlns:r="http://schemas.openxmlformats.org/officeDocument/2006/relationships" xmlns:p="http://schemas.openxmlformats.org/presentationml/2006/main">
+  <p:cSld>
+    <p:spTree>
+      <p:nvGrpSpPr>
+        <p:cNvPr id="1" name=""/>
+        <p:cNvGrpSpPr/>
+        <p:nvPr/>
+      </p:nvGrpSpPr>
+      <p:grpSpPr>
+        <a:xfrm>
+          <a:off x="0" y="0"/>
+          <a:ext cx="0" cy="0"/>
+          <a:chOff x="0" y="0"/>
+          <a:chExt cx="0" cy="0"/>
+        </a:xfrm>
+      </p:grpSpPr>
+      <p:sp>
+        <p:nvSpPr>
+          <p:cNvPr id="2" name="标题 1"/>
+          <p:cNvSpPr>
+            <a:spLocks noGrp="1"/>
+          </p:cNvSpPr>
+          <p:nvPr>
+            <p:ph type="title"/>
+          </p:nvPr>
+        </p:nvSpPr>
+        <p:spPr/>
+        <p:txBody>
+          <a:bodyPr/>
+          <a:lstStyle/>
+          <a:p>
+            <a:endParaRPr lang="zh-CN" altLang="en-US"/>
+          </a:p>
+        </p:txBody>
+      </p:sp>
+    </p:spTree>
+    <p:extLst>
+      <p:ext uri="{BB962C8B-B14F-4D97-AF65-F5344CB8AC3E}">
+        <p14:creationId xmlns:p14="http://schemas.microsoft.com/office/powerpoint/2010/main" val="2795232819"/>
+      </p:ext>
+    </p:extLst>
+  </p:cSld>
+  <p:clrMapOvr>
+    <a:masterClrMapping/>
+  </p:clrMapOvr>
+</p:sld>
+</file>
+
+<file path=ppt/slides/slide8.xml><?xml version="1.0" encoding="utf-8"?>
+<p:sld xmlns:a="http://schemas.openxmlformats.org/drawingml/2006/main" xmlns:r="http://schemas.openxmlformats.org/officeDocument/2006/relationships" xmlns:p="http://schemas.openxmlformats.org/presentationml/2006/main">
+  <p:cSld>
+    <p:spTree>
+      <p:nvGrpSpPr>
+        <p:cNvPr id="1" name=""/>
+        <p:cNvGrpSpPr/>
+        <p:nvPr/>
+      </p:nvGrpSpPr>
+      <p:grpSpPr>
+        <a:xfrm>
+          <a:off x="0" y="0"/>
+          <a:ext cx="0" cy="0"/>
+          <a:chOff x="0" y="0"/>
+          <a:chExt cx="0" cy="0"/>
+        </a:xfrm>
+      </p:grpSpPr>
+      <p:sp>
+        <p:nvSpPr>
           <p:cNvPr id="15361" name="TextBox 2"/>
           <p:cNvSpPr txBox="1">
             <a:spLocks noChangeArrowheads="1"/>
@@ -6717,7 +7548,7 @@
 </p:sld>
 </file>
 
-<file path=ppt/slides/slide5.xml><?xml version="1.0" encoding="utf-8"?>
+<file path=ppt/slides/slide9.xml><?xml version="1.0" encoding="utf-8"?>
 <p:sld xmlns:a="http://schemas.openxmlformats.org/drawingml/2006/main" xmlns:r="http://schemas.openxmlformats.org/officeDocument/2006/relationships" xmlns:p="http://schemas.openxmlformats.org/presentationml/2006/main">
   <p:cSld>
     <p:spTree>
